--- a/docs/slides/images/images.pptx
+++ b/docs/slides/images/images.pptx
@@ -104,6 +104,11 @@
       </a:defRPr>
     </a:lvl9pPr>
   </p:defaultTextStyle>
+  <p:extLst>
+    <p:ext uri="{EFAFB233-063F-42B5-8137-9DF3F51BA10A}">
+      <p15:sldGuideLst xmlns:p15="http://schemas.microsoft.com/office/powerpoint/2012/main"/>
+    </p:ext>
+  </p:extLst>
 </p:presentation>
 </file>
 
@@ -254,7 +259,7 @@
           <a:p>
             <a:fld id="{89A08BBC-D762-364B-B2CF-B681A5E80275}" type="datetimeFigureOut">
               <a:rPr lang="en-US" smtClean="0"/>
-              <a:t>9/21/18</a:t>
+              <a:t>11/12/18</a:t>
             </a:fld>
             <a:endParaRPr lang="en-US"/>
           </a:p>
@@ -452,7 +457,7 @@
           <a:p>
             <a:fld id="{89A08BBC-D762-364B-B2CF-B681A5E80275}" type="datetimeFigureOut">
               <a:rPr lang="en-US" smtClean="0"/>
-              <a:t>9/21/18</a:t>
+              <a:t>11/12/18</a:t>
             </a:fld>
             <a:endParaRPr lang="en-US"/>
           </a:p>
@@ -660,7 +665,7 @@
           <a:p>
             <a:fld id="{89A08BBC-D762-364B-B2CF-B681A5E80275}" type="datetimeFigureOut">
               <a:rPr lang="en-US" smtClean="0"/>
-              <a:t>9/21/18</a:t>
+              <a:t>11/12/18</a:t>
             </a:fld>
             <a:endParaRPr lang="en-US"/>
           </a:p>
@@ -858,7 +863,7 @@
           <a:p>
             <a:fld id="{89A08BBC-D762-364B-B2CF-B681A5E80275}" type="datetimeFigureOut">
               <a:rPr lang="en-US" smtClean="0"/>
-              <a:t>9/21/18</a:t>
+              <a:t>11/12/18</a:t>
             </a:fld>
             <a:endParaRPr lang="en-US"/>
           </a:p>
@@ -1133,7 +1138,7 @@
           <a:p>
             <a:fld id="{89A08BBC-D762-364B-B2CF-B681A5E80275}" type="datetimeFigureOut">
               <a:rPr lang="en-US" smtClean="0"/>
-              <a:t>9/21/18</a:t>
+              <a:t>11/12/18</a:t>
             </a:fld>
             <a:endParaRPr lang="en-US"/>
           </a:p>
@@ -1398,7 +1403,7 @@
           <a:p>
             <a:fld id="{89A08BBC-D762-364B-B2CF-B681A5E80275}" type="datetimeFigureOut">
               <a:rPr lang="en-US" smtClean="0"/>
-              <a:t>9/21/18</a:t>
+              <a:t>11/12/18</a:t>
             </a:fld>
             <a:endParaRPr lang="en-US"/>
           </a:p>
@@ -1810,7 +1815,7 @@
           <a:p>
             <a:fld id="{89A08BBC-D762-364B-B2CF-B681A5E80275}" type="datetimeFigureOut">
               <a:rPr lang="en-US" smtClean="0"/>
-              <a:t>9/21/18</a:t>
+              <a:t>11/12/18</a:t>
             </a:fld>
             <a:endParaRPr lang="en-US"/>
           </a:p>
@@ -1951,7 +1956,7 @@
           <a:p>
             <a:fld id="{89A08BBC-D762-364B-B2CF-B681A5E80275}" type="datetimeFigureOut">
               <a:rPr lang="en-US" smtClean="0"/>
-              <a:t>9/21/18</a:t>
+              <a:t>11/12/18</a:t>
             </a:fld>
             <a:endParaRPr lang="en-US"/>
           </a:p>
@@ -2064,7 +2069,7 @@
           <a:p>
             <a:fld id="{89A08BBC-D762-364B-B2CF-B681A5E80275}" type="datetimeFigureOut">
               <a:rPr lang="en-US" smtClean="0"/>
-              <a:t>9/21/18</a:t>
+              <a:t>11/12/18</a:t>
             </a:fld>
             <a:endParaRPr lang="en-US"/>
           </a:p>
@@ -2375,7 +2380,7 @@
           <a:p>
             <a:fld id="{89A08BBC-D762-364B-B2CF-B681A5E80275}" type="datetimeFigureOut">
               <a:rPr lang="en-US" smtClean="0"/>
-              <a:t>9/21/18</a:t>
+              <a:t>11/12/18</a:t>
             </a:fld>
             <a:endParaRPr lang="en-US"/>
           </a:p>
@@ -2663,7 +2668,7 @@
           <a:p>
             <a:fld id="{89A08BBC-D762-364B-B2CF-B681A5E80275}" type="datetimeFigureOut">
               <a:rPr lang="en-US" smtClean="0"/>
-              <a:t>9/21/18</a:t>
+              <a:t>11/12/18</a:t>
             </a:fld>
             <a:endParaRPr lang="en-US"/>
           </a:p>
@@ -2904,7 +2909,7 @@
           <a:p>
             <a:fld id="{89A08BBC-D762-364B-B2CF-B681A5E80275}" type="datetimeFigureOut">
               <a:rPr lang="en-US" smtClean="0"/>
-              <a:t>9/21/18</a:t>
+              <a:t>11/12/18</a:t>
             </a:fld>
             <a:endParaRPr lang="en-US"/>
           </a:p>
@@ -3333,11 +3338,17 @@
           <p:cNvGraphicFramePr>
             <a:graphicFrameLocks noGrp="1"/>
           </p:cNvGraphicFramePr>
-          <p:nvPr/>
+          <p:nvPr>
+            <p:extLst>
+              <p:ext uri="{D42A27DB-BD31-4B8C-83A1-F6EECF244321}">
+                <p14:modId xmlns:p14="http://schemas.microsoft.com/office/powerpoint/2010/main" val="623906959"/>
+              </p:ext>
+            </p:extLst>
+          </p:nvPr>
         </p:nvGraphicFramePr>
         <p:xfrm>
           <a:off x="3048000" y="1397000"/>
-          <a:ext cx="1762824" cy="2123440"/>
+          <a:ext cx="1988567" cy="2225040"/>
         </p:xfrm>
         <a:graphic>
           <a:graphicData uri="http://schemas.openxmlformats.org/drawingml/2006/table">
@@ -3346,14 +3357,14 @@
                 <a:tableStyleId>{5C22544A-7EE6-4342-B048-85BDC9FD1C3A}</a:tableStyleId>
               </a:tblPr>
               <a:tblGrid>
-                <a:gridCol w="792480">
+                <a:gridCol w="881698">
                   <a:extLst>
                     <a:ext uri="{9D8B030D-6E8A-4147-A177-3AD203B41FA5}">
                       <a16:colId xmlns:a16="http://schemas.microsoft.com/office/drawing/2014/main" val="4155311911"/>
                     </a:ext>
                   </a:extLst>
                 </a:gridCol>
-                <a:gridCol w="970344">
+                <a:gridCol w="1106869">
                   <a:extLst>
                     <a:ext uri="{9D8B030D-6E8A-4147-A177-3AD203B41FA5}">
                       <a16:colId xmlns:a16="http://schemas.microsoft.com/office/drawing/2014/main" val="4204225126"/>
@@ -3415,7 +3426,7 @@
                     <a:p>
                       <a:r>
                         <a:rPr lang="en-US" dirty="0"/>
-                        <a:t>Mon</a:t>
+                        <a:t>Tue</a:t>
                       </a:r>
                     </a:p>
                   </a:txBody>
@@ -3481,7 +3492,7 @@
                     <a:p>
                       <a:r>
                         <a:rPr lang="en-US" dirty="0"/>
-                        <a:t>Thu</a:t>
+                        <a:t>Fri</a:t>
                       </a:r>
                     </a:p>
                   </a:txBody>
@@ -3494,6 +3505,37 @@
                 </a:extLst>
               </a:tr>
               <a:tr h="370840">
+                <a:tc gridSpan="2">
+                  <a:txBody>
+                    <a:bodyPr/>
+                    <a:lstStyle/>
+                    <a:p>
+                      <a:pPr algn="ctr"/>
+                      <a:r>
+                        <a:rPr lang="en-US" dirty="0"/>
+                        <a:t>…</a:t>
+                      </a:r>
+                    </a:p>
+                  </a:txBody>
+                  <a:tcPr vert="vert270" anchor="ctr"/>
+                </a:tc>
+                <a:tc hMerge="1">
+                  <a:txBody>
+                    <a:bodyPr/>
+                    <a:lstStyle/>
+                    <a:p>
+                      <a:endParaRPr lang="en-US" dirty="0"/>
+                    </a:p>
+                  </a:txBody>
+                  <a:tcPr/>
+                </a:tc>
+                <a:extLst>
+                  <a:ext uri="{0D108BD9-81ED-4DB2-BD59-A6C34878D82A}">
+                    <a16:rowId xmlns:a16="http://schemas.microsoft.com/office/drawing/2014/main" val="1187800725"/>
+                  </a:ext>
+                </a:extLst>
+              </a:tr>
+              <a:tr h="370840">
                 <a:tc>
                   <a:txBody>
                     <a:bodyPr/>
@@ -3501,7 +3543,7 @@
                     <a:p>
                       <a:r>
                         <a:rPr lang="en-US" dirty="0"/>
-                        <a:t>4</a:t>
+                        <a:t>n</a:t>
                       </a:r>
                     </a:p>
                   </a:txBody>
@@ -3514,7 +3556,7 @@
                     <a:p>
                       <a:r>
                         <a:rPr lang="en-US" dirty="0"/>
-                        <a:t>Mon</a:t>
+                        <a:t>Thu</a:t>
                       </a:r>
                     </a:p>
                   </a:txBody>
@@ -3522,7 +3564,7 @@
                 </a:tc>
                 <a:extLst>
                   <a:ext uri="{0D108BD9-81ED-4DB2-BD59-A6C34878D82A}">
-                    <a16:rowId xmlns:a16="http://schemas.microsoft.com/office/drawing/2014/main" val="1187800725"/>
+                    <a16:rowId xmlns:a16="http://schemas.microsoft.com/office/drawing/2014/main" val="4208817569"/>
                   </a:ext>
                 </a:extLst>
               </a:tr>
@@ -3542,11 +3584,17 @@
           <p:cNvGraphicFramePr>
             <a:graphicFrameLocks noGrp="1"/>
           </p:cNvGraphicFramePr>
-          <p:nvPr/>
+          <p:nvPr>
+            <p:extLst>
+              <p:ext uri="{D42A27DB-BD31-4B8C-83A1-F6EECF244321}">
+                <p14:modId xmlns:p14="http://schemas.microsoft.com/office/powerpoint/2010/main" val="721196363"/>
+              </p:ext>
+            </p:extLst>
+          </p:nvPr>
         </p:nvGraphicFramePr>
         <p:xfrm>
-          <a:off x="6019801" y="1397000"/>
-          <a:ext cx="3032189" cy="2123440"/>
+          <a:off x="6214671" y="1397000"/>
+          <a:ext cx="3398331" cy="2225040"/>
         </p:xfrm>
         <a:graphic>
           <a:graphicData uri="http://schemas.openxmlformats.org/drawingml/2006/table">
@@ -3555,35 +3603,35 @@
                 <a:tableStyleId>{5C22544A-7EE6-4342-B048-85BDC9FD1C3A}</a:tableStyleId>
               </a:tblPr>
               <a:tblGrid>
-                <a:gridCol w="792480">
+                <a:gridCol w="881698">
                   <a:extLst>
                     <a:ext uri="{9D8B030D-6E8A-4147-A177-3AD203B41FA5}">
                       <a16:colId xmlns:a16="http://schemas.microsoft.com/office/drawing/2014/main" val="4155311911"/>
                     </a:ext>
                   </a:extLst>
                 </a:gridCol>
-                <a:gridCol w="582930">
+                <a:gridCol w="679768">
                   <a:extLst>
                     <a:ext uri="{9D8B030D-6E8A-4147-A177-3AD203B41FA5}">
                       <a16:colId xmlns:a16="http://schemas.microsoft.com/office/drawing/2014/main" val="4204225126"/>
                     </a:ext>
                   </a:extLst>
                 </a:gridCol>
-                <a:gridCol w="522605">
+                <a:gridCol w="572770">
                   <a:extLst>
                     <a:ext uri="{9D8B030D-6E8A-4147-A177-3AD203B41FA5}">
                       <a16:colId xmlns:a16="http://schemas.microsoft.com/office/drawing/2014/main" val="746053498"/>
                     </a:ext>
                   </a:extLst>
                 </a:gridCol>
-                <a:gridCol w="589344">
+                <a:gridCol w="671640">
                   <a:extLst>
                     <a:ext uri="{9D8B030D-6E8A-4147-A177-3AD203B41FA5}">
                       <a16:colId xmlns:a16="http://schemas.microsoft.com/office/drawing/2014/main" val="80398865"/>
                     </a:ext>
                   </a:extLst>
                 </a:gridCol>
-                <a:gridCol w="544830">
+                <a:gridCol w="592455">
                   <a:extLst>
                     <a:ext uri="{9D8B030D-6E8A-4147-A177-3AD203B41FA5}">
                       <a16:colId xmlns:a16="http://schemas.microsoft.com/office/drawing/2014/main" val="556234864"/>
@@ -3684,7 +3732,7 @@
                     <a:p>
                       <a:r>
                         <a:rPr lang="en-US" dirty="0"/>
-                        <a:t>1</a:t>
+                        <a:t>0</a:t>
                       </a:r>
                     </a:p>
                   </a:txBody>
@@ -3697,7 +3745,7 @@
                     <a:p>
                       <a:r>
                         <a:rPr lang="en-US" dirty="0"/>
-                        <a:t>0</a:t>
+                        <a:t>1</a:t>
                       </a:r>
                     </a:p>
                   </a:txBody>
@@ -3867,7 +3915,7 @@
                     <a:p>
                       <a:r>
                         <a:rPr lang="en-US" dirty="0"/>
-                        <a:t>1</a:t>
+                        <a:t>0</a:t>
                       </a:r>
                     </a:p>
                   </a:txBody>
@@ -3880,6 +3928,67 @@
                 </a:extLst>
               </a:tr>
               <a:tr h="370840">
+                <a:tc gridSpan="5">
+                  <a:txBody>
+                    <a:bodyPr/>
+                    <a:lstStyle/>
+                    <a:p>
+                      <a:pPr algn="ctr"/>
+                      <a:r>
+                        <a:rPr lang="en-US" dirty="0"/>
+                        <a:t>…</a:t>
+                      </a:r>
+                    </a:p>
+                  </a:txBody>
+                  <a:tcPr vert="vert270" anchor="ctr"/>
+                </a:tc>
+                <a:tc hMerge="1">
+                  <a:txBody>
+                    <a:bodyPr/>
+                    <a:lstStyle/>
+                    <a:p>
+                      <a:endParaRPr lang="en-US" dirty="0"/>
+                    </a:p>
+                  </a:txBody>
+                  <a:tcPr/>
+                </a:tc>
+                <a:tc hMerge="1">
+                  <a:txBody>
+                    <a:bodyPr/>
+                    <a:lstStyle/>
+                    <a:p>
+                      <a:endParaRPr lang="en-US" dirty="0"/>
+                    </a:p>
+                  </a:txBody>
+                  <a:tcPr/>
+                </a:tc>
+                <a:tc hMerge="1">
+                  <a:txBody>
+                    <a:bodyPr/>
+                    <a:lstStyle/>
+                    <a:p>
+                      <a:endParaRPr lang="en-US" dirty="0"/>
+                    </a:p>
+                  </a:txBody>
+                  <a:tcPr/>
+                </a:tc>
+                <a:tc hMerge="1">
+                  <a:txBody>
+                    <a:bodyPr/>
+                    <a:lstStyle/>
+                    <a:p>
+                      <a:endParaRPr lang="en-US" dirty="0"/>
+                    </a:p>
+                  </a:txBody>
+                  <a:tcPr/>
+                </a:tc>
+                <a:extLst>
+                  <a:ext uri="{0D108BD9-81ED-4DB2-BD59-A6C34878D82A}">
+                    <a16:rowId xmlns:a16="http://schemas.microsoft.com/office/drawing/2014/main" val="1187800725"/>
+                  </a:ext>
+                </a:extLst>
+              </a:tr>
+              <a:tr h="370840">
                 <a:tc>
                   <a:txBody>
                     <a:bodyPr/>
@@ -3887,20 +3996,7 @@
                     <a:p>
                       <a:r>
                         <a:rPr lang="en-US" dirty="0"/>
-                        <a:t>4</a:t>
-                      </a:r>
-                    </a:p>
-                  </a:txBody>
-                  <a:tcPr/>
-                </a:tc>
-                <a:tc>
-                  <a:txBody>
-                    <a:bodyPr/>
-                    <a:lstStyle/>
-                    <a:p>
-                      <a:r>
-                        <a:rPr lang="en-US" dirty="0"/>
-                        <a:t>1</a:t>
+                        <a:t>n</a:t>
                       </a:r>
                     </a:p>
                   </a:txBody>
@@ -3945,9 +4041,22 @@
                   </a:txBody>
                   <a:tcPr/>
                 </a:tc>
+                <a:tc>
+                  <a:txBody>
+                    <a:bodyPr/>
+                    <a:lstStyle/>
+                    <a:p>
+                      <a:r>
+                        <a:rPr lang="en-US" dirty="0"/>
+                        <a:t>1</a:t>
+                      </a:r>
+                    </a:p>
+                  </a:txBody>
+                  <a:tcPr/>
+                </a:tc>
                 <a:extLst>
                   <a:ext uri="{0D108BD9-81ED-4DB2-BD59-A6C34878D82A}">
-                    <a16:rowId xmlns:a16="http://schemas.microsoft.com/office/drawing/2014/main" val="1187800725"/>
+                    <a16:rowId xmlns:a16="http://schemas.microsoft.com/office/drawing/2014/main" val="3717838285"/>
                   </a:ext>
                 </a:extLst>
               </a:tr>
@@ -3969,7 +4078,7 @@
         </p:nvSpPr>
         <p:spPr>
           <a:xfrm>
-            <a:off x="4958112" y="2095500"/>
+            <a:off x="5168419" y="2280920"/>
             <a:ext cx="914400" cy="457200"/>
           </a:xfrm>
           <a:prstGeom prst="rightArrow">
@@ -4020,8 +4129,8 @@
         </p:nvSpPr>
         <p:spPr>
           <a:xfrm rot="16200000">
-            <a:off x="3777012" y="2699988"/>
-            <a:ext cx="304800" cy="1762824"/>
+            <a:off x="3881566" y="2913974"/>
+            <a:ext cx="321434" cy="1988567"/>
           </a:xfrm>
           <a:prstGeom prst="leftBrace">
             <a:avLst/>
@@ -4069,8 +4178,8 @@
         </p:nvSpPr>
         <p:spPr>
           <a:xfrm rot="16200000">
-            <a:off x="7383494" y="2065306"/>
-            <a:ext cx="304800" cy="3032189"/>
+            <a:off x="7753120" y="2209092"/>
+            <a:ext cx="321435" cy="3398332"/>
           </a:xfrm>
           <a:prstGeom prst="leftBrace">
             <a:avLst/>
@@ -4118,7 +4227,7 @@
         </p:nvSpPr>
         <p:spPr>
           <a:xfrm>
-            <a:off x="2938812" y="3748668"/>
+            <a:off x="3047999" y="4068975"/>
             <a:ext cx="1981200" cy="369332"/>
           </a:xfrm>
           <a:prstGeom prst="rect">
@@ -4154,7 +4263,7 @@
         </p:nvSpPr>
         <p:spPr>
           <a:xfrm>
-            <a:off x="6545294" y="3748668"/>
+            <a:off x="6923236" y="4068975"/>
             <a:ext cx="1981200" cy="369332"/>
           </a:xfrm>
           <a:prstGeom prst="rect">

--- a/docs/slides/images/images.pptx
+++ b/docs/slides/images/images.pptx
@@ -3341,7 +3341,7 @@
           <p:nvPr>
             <p:extLst>
               <p:ext uri="{D42A27DB-BD31-4B8C-83A1-F6EECF244321}">
-                <p14:modId xmlns:p14="http://schemas.microsoft.com/office/powerpoint/2010/main" val="623906959"/>
+                <p14:modId xmlns:p14="http://schemas.microsoft.com/office/powerpoint/2010/main" val="1844376813"/>
               </p:ext>
             </p:extLst>
           </p:nvPr>
@@ -3587,7 +3587,7 @@
           <p:nvPr>
             <p:extLst>
               <p:ext uri="{D42A27DB-BD31-4B8C-83A1-F6EECF244321}">
-                <p14:modId xmlns:p14="http://schemas.microsoft.com/office/powerpoint/2010/main" val="721196363"/>
+                <p14:modId xmlns:p14="http://schemas.microsoft.com/office/powerpoint/2010/main" val="3866838835"/>
               </p:ext>
             </p:extLst>
           </p:nvPr>
